--- a/correctiveRAG.pptx
+++ b/correctiveRAG.pptx
@@ -3356,7 +3356,7 @@
         </p:nvSpPr>
         <p:spPr>
           <a:xfrm>
-            <a:off x="973394" y="619432"/>
+            <a:off x="3376356" y="619432"/>
             <a:ext cx="1396180" cy="835742"/>
           </a:xfrm>
           <a:prstGeom prst="roundRect">
@@ -3406,7 +3406,7 @@
         </p:nvSpPr>
         <p:spPr>
           <a:xfrm>
-            <a:off x="973394" y="2143432"/>
+            <a:off x="3376356" y="2143432"/>
             <a:ext cx="1396180" cy="835742"/>
           </a:xfrm>
           <a:prstGeom prst="roundRect">
@@ -3456,8 +3456,8 @@
         </p:nvSpPr>
         <p:spPr>
           <a:xfrm>
-            <a:off x="1032388" y="3618270"/>
-            <a:ext cx="1288026" cy="1170039"/>
+            <a:off x="3052716" y="3622824"/>
+            <a:ext cx="2113937" cy="1170039"/>
           </a:xfrm>
           <a:prstGeom prst="diamond">
             <a:avLst/>
@@ -3486,7 +3486,7 @@
             <a:pPr algn="ctr"/>
             <a:r>
               <a:rPr lang="en-US" sz="1100" dirty="0"/>
-              <a:t>Quality Check</a:t>
+              <a:t>Quality Check &amp; self-reflection</a:t>
             </a:r>
             <a:endParaRPr lang="en-IN" sz="1100" dirty="0"/>
           </a:p>
@@ -3509,7 +3509,7 @@
         </p:nvCxnSpPr>
         <p:spPr>
           <a:xfrm>
-            <a:off x="1671484" y="1455174"/>
+            <a:off x="4074446" y="1455174"/>
             <a:ext cx="0" cy="688258"/>
           </a:xfrm>
           <a:prstGeom prst="straightConnector1">
@@ -3548,7 +3548,7 @@
         </p:nvCxnSpPr>
         <p:spPr>
           <a:xfrm>
-            <a:off x="1671484" y="2900516"/>
+            <a:off x="4074446" y="2900516"/>
             <a:ext cx="0" cy="688258"/>
           </a:xfrm>
           <a:prstGeom prst="straightConnector1">
@@ -3589,12 +3589,12 @@
         </p:nvCxnSpPr>
         <p:spPr>
           <a:xfrm>
-            <a:off x="1671484" y="4876800"/>
-            <a:ext cx="3952568" cy="587373"/>
+            <a:off x="4074446" y="4876800"/>
+            <a:ext cx="4591887" cy="587374"/>
           </a:xfrm>
           <a:prstGeom prst="bentConnector3">
             <a:avLst>
-              <a:gd name="adj1" fmla="val -249"/>
+              <a:gd name="adj1" fmla="val 217"/>
             </a:avLst>
           </a:prstGeom>
           <a:ln>
@@ -3627,13 +3627,14 @@
           </p:cNvPr>
           <p:cNvCxnSpPr>
             <a:cxnSpLocks/>
+            <a:stCxn id="7" idx="3"/>
           </p:cNvCxnSpPr>
           <p:nvPr/>
         </p:nvCxnSpPr>
         <p:spPr>
           <a:xfrm flipV="1">
-            <a:off x="2369577" y="3399504"/>
-            <a:ext cx="934066" cy="798871"/>
+            <a:off x="5166653" y="3399504"/>
+            <a:ext cx="1156653" cy="808340"/>
           </a:xfrm>
           <a:prstGeom prst="bentConnector3">
             <a:avLst/>
@@ -3671,7 +3672,7 @@
         </p:nvSpPr>
         <p:spPr>
           <a:xfrm>
-            <a:off x="1759975" y="3035450"/>
+            <a:off x="4162937" y="3035450"/>
             <a:ext cx="1705896" cy="307777"/>
           </a:xfrm>
           <a:prstGeom prst="rect">
@@ -3707,7 +3708,7 @@
         </p:nvSpPr>
         <p:spPr>
           <a:xfrm>
-            <a:off x="2423652" y="5156397"/>
+            <a:off x="4826614" y="5156397"/>
             <a:ext cx="1853380" cy="307777"/>
           </a:xfrm>
           <a:prstGeom prst="rect">
@@ -3743,7 +3744,7 @@
         </p:nvSpPr>
         <p:spPr>
           <a:xfrm>
-            <a:off x="5845275" y="2918692"/>
+            <a:off x="8875560" y="2918692"/>
             <a:ext cx="1396180" cy="867697"/>
           </a:xfrm>
           <a:prstGeom prst="roundRect">
@@ -3793,7 +3794,7 @@
         </p:nvSpPr>
         <p:spPr>
           <a:xfrm>
-            <a:off x="5717455" y="5030325"/>
+            <a:off x="8747740" y="5021635"/>
             <a:ext cx="1524000" cy="867697"/>
           </a:xfrm>
           <a:prstGeom prst="roundRect">
@@ -3843,7 +3844,7 @@
         </p:nvSpPr>
         <p:spPr>
           <a:xfrm>
-            <a:off x="3406879" y="2965655"/>
+            <a:off x="6437164" y="2965655"/>
             <a:ext cx="1396180" cy="867697"/>
           </a:xfrm>
           <a:prstGeom prst="roundRect">
@@ -3893,7 +3894,7 @@
         </p:nvCxnSpPr>
         <p:spPr>
           <a:xfrm>
-            <a:off x="4906297" y="3343227"/>
+            <a:off x="7936582" y="3343227"/>
             <a:ext cx="835742" cy="0"/>
           </a:xfrm>
           <a:prstGeom prst="straightConnector1">
@@ -3932,7 +3933,7 @@
         </p:nvCxnSpPr>
         <p:spPr>
           <a:xfrm>
-            <a:off x="6479455" y="3833352"/>
+            <a:off x="9545979" y="3833352"/>
             <a:ext cx="0" cy="1043448"/>
           </a:xfrm>
           <a:prstGeom prst="straightConnector1">
@@ -3971,7 +3972,7 @@
         </p:nvCxnSpPr>
         <p:spPr>
           <a:xfrm>
-            <a:off x="7325032" y="5464173"/>
+            <a:off x="10353147" y="5495109"/>
             <a:ext cx="993058" cy="0"/>
           </a:xfrm>
           <a:prstGeom prst="straightConnector1">
@@ -4010,7 +4011,7 @@
         </p:nvSpPr>
         <p:spPr>
           <a:xfrm>
-            <a:off x="8475410" y="5240594"/>
+            <a:off x="11346205" y="5270818"/>
             <a:ext cx="1076635" cy="369332"/>
           </a:xfrm>
           <a:prstGeom prst="rect">
@@ -4029,6 +4030,112 @@
               <a:t>Answer</a:t>
             </a:r>
             <a:endParaRPr lang="en-IN" dirty="0"/>
+          </a:p>
+        </p:txBody>
+      </p:sp>
+      <p:sp>
+        <p:nvSpPr>
+          <p:cNvPr id="36" name="TextBox 35">
+            <a:extLst>
+              <a:ext uri="{FF2B5EF4-FFF2-40B4-BE49-F238E27FC236}">
+                <a16:creationId xmlns:a16="http://schemas.microsoft.com/office/drawing/2014/main" id="{07ABEDE5-FDD8-73E9-EF52-561801A33294}"/>
+              </a:ext>
+            </a:extLst>
+          </p:cNvPr>
+          <p:cNvSpPr txBox="1"/>
+          <p:nvPr/>
+        </p:nvSpPr>
+        <p:spPr>
+          <a:xfrm>
+            <a:off x="1157552" y="3377885"/>
+            <a:ext cx="1705896" cy="1954381"/>
+          </a:xfrm>
+          <a:prstGeom prst="rect">
+            <a:avLst/>
+          </a:prstGeom>
+          <a:noFill/>
+        </p:spPr>
+        <p:txBody>
+          <a:bodyPr wrap="square" rtlCol="0">
+            <a:spAutoFit/>
+          </a:bodyPr>
+          <a:lstStyle/>
+          <a:p>
+            <a:pPr marL="228600" indent="-228600">
+              <a:buAutoNum type="arabicPeriod"/>
+            </a:pPr>
+            <a:r>
+              <a:rPr lang="en-US" sz="1100" dirty="0"/>
+              <a:t>Remove Unwanted Doc.</a:t>
+            </a:r>
+          </a:p>
+          <a:p>
+            <a:pPr marL="228600" indent="-228600">
+              <a:buAutoNum type="arabicPeriod"/>
+            </a:pPr>
+            <a:r>
+              <a:rPr lang="en-US" sz="1100" dirty="0"/>
+              <a:t>If correct docs are less then 70 %</a:t>
+            </a:r>
+            <a:r>
+              <a:rPr lang="en-IN" sz="1100" dirty="0"/>
+              <a:t>.</a:t>
+            </a:r>
+          </a:p>
+          <a:p>
+            <a:pPr marL="628650" lvl="1" indent="-171450">
+              <a:buFont typeface="Arial" panose="020B0604020202020204" pitchFamily="34" charset="0"/>
+              <a:buChar char="•"/>
+            </a:pPr>
+            <a:r>
+              <a:rPr lang="en-IN" sz="1100" dirty="0"/>
+              <a:t>Clean Docs</a:t>
+            </a:r>
+          </a:p>
+          <a:p>
+            <a:pPr marL="628650" lvl="1" indent="-171450">
+              <a:buFont typeface="Arial" panose="020B0604020202020204" pitchFamily="34" charset="0"/>
+              <a:buChar char="•"/>
+            </a:pPr>
+            <a:r>
+              <a:rPr lang="en-IN" sz="1100" dirty="0"/>
+              <a:t>Enhance Query</a:t>
+            </a:r>
+          </a:p>
+          <a:p>
+            <a:pPr marL="628650" lvl="1" indent="-171450">
+              <a:buFont typeface="Arial" panose="020B0604020202020204" pitchFamily="34" charset="0"/>
+              <a:buChar char="•"/>
+            </a:pPr>
+            <a:r>
+              <a:rPr lang="en-IN" sz="1100" dirty="0"/>
+              <a:t>Add wiki </a:t>
+            </a:r>
+            <a:r>
+              <a:rPr lang="en-IN" sz="1100" dirty="0" err="1"/>
+              <a:t>Travily</a:t>
+            </a:r>
+            <a:r>
+              <a:rPr lang="en-IN" sz="1100" dirty="0"/>
+              <a:t> and generate more docs.</a:t>
+            </a:r>
+          </a:p>
+          <a:p>
+            <a:pPr marL="228600" indent="-228600">
+              <a:buFont typeface="+mj-lt"/>
+              <a:buAutoNum type="arabicPeriod"/>
+            </a:pPr>
+            <a:r>
+              <a:rPr lang="en-IN" sz="1100" dirty="0"/>
+              <a:t>Generate Answer</a:t>
+            </a:r>
+          </a:p>
+          <a:p>
+            <a:pPr marL="628650" lvl="1" indent="-171450">
+              <a:buFont typeface="Arial" panose="020B0604020202020204" pitchFamily="34" charset="0"/>
+              <a:buChar char="•"/>
+            </a:pPr>
+            <a:endParaRPr lang="en-US" sz="1100" dirty="0"/>
           </a:p>
         </p:txBody>
       </p:sp>
